--- a/ClassMaterials/Week6/Programmatic AI.pptx
+++ b/ClassMaterials/Week6/Programmatic AI.pptx
@@ -213,7 +213,7 @@
           <a:p>
             <a:fld id="{5772895F-5AD4-4F3D-9C62-4330216F256A}" type="datetimeFigureOut">
               <a:rPr lang="en-US" smtClean="0"/>
-              <a:t>10/13/25</a:t>
+              <a:t>10/14/25</a:t>
             </a:fld>
             <a:endParaRPr lang="en-US"/>
           </a:p>
@@ -841,7 +841,7 @@
           <a:p>
             <a:fld id="{0BEE2EE8-644E-438E-A24D-F2C140D42D65}" type="datetimeFigureOut">
               <a:rPr lang="en-US" smtClean="0"/>
-              <a:t>10/13/25</a:t>
+              <a:t>10/14/25</a:t>
             </a:fld>
             <a:endParaRPr lang="en-US"/>
           </a:p>
@@ -1039,7 +1039,7 @@
           <a:p>
             <a:fld id="{0BEE2EE8-644E-438E-A24D-F2C140D42D65}" type="datetimeFigureOut">
               <a:rPr lang="en-US" smtClean="0"/>
-              <a:t>10/13/25</a:t>
+              <a:t>10/14/25</a:t>
             </a:fld>
             <a:endParaRPr lang="en-US"/>
           </a:p>
@@ -1247,7 +1247,7 @@
           <a:p>
             <a:fld id="{0BEE2EE8-644E-438E-A24D-F2C140D42D65}" type="datetimeFigureOut">
               <a:rPr lang="en-US" smtClean="0"/>
-              <a:t>10/13/25</a:t>
+              <a:t>10/14/25</a:t>
             </a:fld>
             <a:endParaRPr lang="en-US"/>
           </a:p>
@@ -1445,7 +1445,7 @@
           <a:p>
             <a:fld id="{0BEE2EE8-644E-438E-A24D-F2C140D42D65}" type="datetimeFigureOut">
               <a:rPr lang="en-US" smtClean="0"/>
-              <a:t>10/13/25</a:t>
+              <a:t>10/14/25</a:t>
             </a:fld>
             <a:endParaRPr lang="en-US"/>
           </a:p>
@@ -1720,7 +1720,7 @@
           <a:p>
             <a:fld id="{0BEE2EE8-644E-438E-A24D-F2C140D42D65}" type="datetimeFigureOut">
               <a:rPr lang="en-US" smtClean="0"/>
-              <a:t>10/13/25</a:t>
+              <a:t>10/14/25</a:t>
             </a:fld>
             <a:endParaRPr lang="en-US"/>
           </a:p>
@@ -1985,7 +1985,7 @@
           <a:p>
             <a:fld id="{0BEE2EE8-644E-438E-A24D-F2C140D42D65}" type="datetimeFigureOut">
               <a:rPr lang="en-US" smtClean="0"/>
-              <a:t>10/13/25</a:t>
+              <a:t>10/14/25</a:t>
             </a:fld>
             <a:endParaRPr lang="en-US"/>
           </a:p>
@@ -2397,7 +2397,7 @@
           <a:p>
             <a:fld id="{0BEE2EE8-644E-438E-A24D-F2C140D42D65}" type="datetimeFigureOut">
               <a:rPr lang="en-US" smtClean="0"/>
-              <a:t>10/13/25</a:t>
+              <a:t>10/14/25</a:t>
             </a:fld>
             <a:endParaRPr lang="en-US"/>
           </a:p>
@@ -2538,7 +2538,7 @@
           <a:p>
             <a:fld id="{0BEE2EE8-644E-438E-A24D-F2C140D42D65}" type="datetimeFigureOut">
               <a:rPr lang="en-US" smtClean="0"/>
-              <a:t>10/13/25</a:t>
+              <a:t>10/14/25</a:t>
             </a:fld>
             <a:endParaRPr lang="en-US"/>
           </a:p>
@@ -2651,7 +2651,7 @@
           <a:p>
             <a:fld id="{0BEE2EE8-644E-438E-A24D-F2C140D42D65}" type="datetimeFigureOut">
               <a:rPr lang="en-US" smtClean="0"/>
-              <a:t>10/13/25</a:t>
+              <a:t>10/14/25</a:t>
             </a:fld>
             <a:endParaRPr lang="en-US"/>
           </a:p>
@@ -2962,7 +2962,7 @@
           <a:p>
             <a:fld id="{0BEE2EE8-644E-438E-A24D-F2C140D42D65}" type="datetimeFigureOut">
               <a:rPr lang="en-US" smtClean="0"/>
-              <a:t>10/13/25</a:t>
+              <a:t>10/14/25</a:t>
             </a:fld>
             <a:endParaRPr lang="en-US"/>
           </a:p>
@@ -3250,7 +3250,7 @@
           <a:p>
             <a:fld id="{0BEE2EE8-644E-438E-A24D-F2C140D42D65}" type="datetimeFigureOut">
               <a:rPr lang="en-US" smtClean="0"/>
-              <a:t>10/13/25</a:t>
+              <a:t>10/14/25</a:t>
             </a:fld>
             <a:endParaRPr lang="en-US"/>
           </a:p>
@@ -3491,7 +3491,7 @@
           <a:p>
             <a:fld id="{0BEE2EE8-644E-438E-A24D-F2C140D42D65}" type="datetimeFigureOut">
               <a:rPr lang="en-US" smtClean="0"/>
-              <a:t>10/13/25</a:t>
+              <a:t>10/14/25</a:t>
             </a:fld>
             <a:endParaRPr lang="en-US"/>
           </a:p>
@@ -6453,8 +6453,8 @@
         </p:nvSpPr>
         <p:spPr>
           <a:xfrm>
-            <a:off x="490603" y="6144243"/>
-            <a:ext cx="5436286" cy="646331"/>
+            <a:off x="490603" y="5715298"/>
+            <a:ext cx="5436286" cy="923330"/>
           </a:xfrm>
           <a:prstGeom prst="rect">
             <a:avLst/>
@@ -6478,6 +6478,12 @@
             <a:r>
               <a:rPr lang="en-US" dirty="0"/>
               <a:t> for building this Android app many years ago in CSSE483!</a:t>
+            </a:r>
+          </a:p>
+          <a:p>
+            <a:r>
+              <a:rPr lang="en-US" dirty="0"/>
+              <a:t>And to Google Gemini CLI for speeding this up</a:t>
             </a:r>
           </a:p>
         </p:txBody>
